--- a/docs/review-3/final.pptx
+++ b/docs/review-3/final.pptx
@@ -10531,17 +10531,7 @@
                   </a:srgbClr>
                 </a:solidFill>
               </a:rPr>
-              <a:t> May, </a:t>
-            </a:r>
-            <a:r>
-              <a:rPr lang="en-US" sz="2000" b="1" kern="0" dirty="0" smtClean="0">
-                <a:solidFill>
-                  <a:srgbClr val="4BACC6">
-                    <a:lumMod val="75000"/>
-                  </a:srgbClr>
-                </a:solidFill>
-              </a:rPr>
-              <a:t>2025.</a:t>
+              <a:t> May, 2025.</a:t>
             </a:r>
             <a:endParaRPr lang="en-IN" sz="1800" kern="0" dirty="0">
               <a:solidFill>
@@ -10963,7 +10953,7 @@
           <p:cNvPr id="2" name="Subtitle 2">
             <a:extLst>
               <a:ext uri="{FF2B5EF4-FFF2-40B4-BE49-F238E27FC236}">
-                <a16:creationId xmlns:a16="http://schemas.microsoft.com/office/drawing/2014/main" xmlns="" id="{B51CFB20-BF85-80BD-477B-14C7A76949D5}"/>
+                <a16:creationId xmlns="" xmlns:a16="http://schemas.microsoft.com/office/drawing/2014/main" id="{B51CFB20-BF85-80BD-477B-14C7A76949D5}"/>
               </a:ext>
             </a:extLst>
           </p:cNvPr>
@@ -13284,7 +13274,7 @@
           <p:cNvPr id="2" name="TextBox 1">
             <a:extLst>
               <a:ext uri="{FF2B5EF4-FFF2-40B4-BE49-F238E27FC236}">
-                <a16:creationId xmlns:a16="http://schemas.microsoft.com/office/drawing/2014/main" xmlns="" id="{7AC3F8B0-6282-99B1-93A0-C4F705D327DE}"/>
+                <a16:creationId xmlns="" xmlns:a16="http://schemas.microsoft.com/office/drawing/2014/main" id="{7AC3F8B0-6282-99B1-93A0-C4F705D327DE}"/>
               </a:ext>
             </a:extLst>
           </p:cNvPr>
@@ -13333,7 +13323,7 @@
           <p:cNvPr id="4" name="TextBox 3">
             <a:extLst>
               <a:ext uri="{FF2B5EF4-FFF2-40B4-BE49-F238E27FC236}">
-                <a16:creationId xmlns:a16="http://schemas.microsoft.com/office/drawing/2014/main" xmlns="" id="{1C65CB75-C0BF-49CC-2D4C-6D5FB9214585}"/>
+                <a16:creationId xmlns="" xmlns:a16="http://schemas.microsoft.com/office/drawing/2014/main" id="{1C65CB75-C0BF-49CC-2D4C-6D5FB9214585}"/>
               </a:ext>
             </a:extLst>
           </p:cNvPr>
@@ -15126,27 +15116,8 @@
                 <a:ea typeface="Arial" pitchFamily="34" charset="-122"/>
                 <a:cs typeface="Arial" pitchFamily="34" charset="-120"/>
               </a:rPr>
-              <a:t>communication with database</a:t>
-            </a:r>
-            <a:r>
-              <a:rPr lang="en-US" sz="2160" dirty="0" smtClean="0">
-                <a:solidFill>
-                  <a:srgbClr val="000000"/>
-                </a:solidFill>
-                <a:latin typeface="Arial" pitchFamily="34" charset="0"/>
-                <a:ea typeface="Arial" pitchFamily="34" charset="-122"/>
-                <a:cs typeface="Arial" pitchFamily="34" charset="-120"/>
-              </a:rPr>
-              <a:t>.</a:t>
-            </a:r>
-            <a:endParaRPr lang="en-US" sz="2160" dirty="0" smtClean="0">
-              <a:solidFill>
-                <a:srgbClr val="000000"/>
-              </a:solidFill>
-              <a:latin typeface="Arial" pitchFamily="34" charset="0"/>
-              <a:ea typeface="Arial" pitchFamily="34" charset="-122"/>
-              <a:cs typeface="Arial" pitchFamily="34" charset="-120"/>
-            </a:endParaRPr>
+              <a:t>communication with database.</a:t>
+            </a:r>
           </a:p>
           <a:p>
             <a:pPr marL="914400" indent="-365760" algn="l">
@@ -16718,29 +16689,7 @@
                 <a:ea typeface="Calibri" pitchFamily="34" charset="-122"/>
                 <a:cs typeface="Calibri" pitchFamily="34" charset="-120"/>
               </a:rPr>
-              <a:t>Design </a:t>
-            </a:r>
-            <a:r>
-              <a:rPr lang="en-US" sz="4680" b="1" dirty="0" smtClean="0">
-                <a:solidFill>
-                  <a:srgbClr val="FF0000"/>
-                </a:solidFill>
-                <a:latin typeface="Calibri" pitchFamily="34" charset="0"/>
-                <a:ea typeface="Calibri" pitchFamily="34" charset="-122"/>
-                <a:cs typeface="Calibri" pitchFamily="34" charset="-120"/>
-              </a:rPr>
-              <a:t>- </a:t>
-            </a:r>
-            <a:r>
-              <a:rPr lang="en-US" sz="4680" b="1" dirty="0" smtClean="0">
-                <a:solidFill>
-                  <a:srgbClr val="FF0000"/>
-                </a:solidFill>
-                <a:latin typeface="Calibri" pitchFamily="34" charset="0"/>
-                <a:ea typeface="Calibri" pitchFamily="34" charset="-122"/>
-                <a:cs typeface="Calibri" pitchFamily="34" charset="-120"/>
-              </a:rPr>
-              <a:t>1</a:t>
+              <a:t>Design - 1</a:t>
             </a:r>
             <a:r>
               <a:rPr lang="en-US" sz="4680" dirty="0" smtClean="0">
@@ -17092,7 +17041,7 @@
       </p:sp>
       <p:pic>
         <p:nvPicPr>
-          <p:cNvPr id="6" name="Picture 5"/>
+          <p:cNvPr id="5" name="Picture 4"/>
           <p:cNvPicPr>
             <a:picLocks noChangeAspect="1"/>
           </p:cNvPicPr>
@@ -17106,8 +17055,8 @@
         </p:blipFill>
         <p:spPr>
           <a:xfrm>
-            <a:off x="1876898" y="1295400"/>
-            <a:ext cx="8353425" cy="5562600"/>
+            <a:off x="2902728" y="1296113"/>
+            <a:ext cx="5569097" cy="5374503"/>
           </a:xfrm>
           <a:prstGeom prst="rect">
             <a:avLst/>

--- a/docs/review-3/final.pptx
+++ b/docs/review-3/final.pptx
@@ -10953,7 +10953,7 @@
           <p:cNvPr id="2" name="Subtitle 2">
             <a:extLst>
               <a:ext uri="{FF2B5EF4-FFF2-40B4-BE49-F238E27FC236}">
-                <a16:creationId xmlns="" xmlns:a16="http://schemas.microsoft.com/office/drawing/2014/main" id="{B51CFB20-BF85-80BD-477B-14C7A76949D5}"/>
+                <a16:creationId xmlns:a16="http://schemas.microsoft.com/office/drawing/2014/main" xmlns="" id="{B51CFB20-BF85-80BD-477B-14C7A76949D5}"/>
               </a:ext>
             </a:extLst>
           </p:cNvPr>
@@ -12800,7 +12800,7 @@
                   <a:srgbClr val="FF0000"/>
                 </a:solidFill>
               </a:rPr>
-              <a:t>Conclusion</a:t>
+              <a:t>Conclusion and Future Enhancements</a:t>
             </a:r>
             <a:endParaRPr lang="en-US" sz="4680" b="1" dirty="0">
               <a:solidFill>
@@ -12854,386 +12854,246 @@
           <a:bodyPr wrap="square" lIns="81025" tIns="40500" rIns="81025" bIns="40500" rtlCol="0" anchor="t"/>
           <a:lstStyle/>
           <a:p>
-            <a:pPr marL="457200" indent="-388620" algn="l">
-              <a:lnSpc>
-                <a:spcPct val="100000"/>
-              </a:lnSpc>
-              <a:spcBef>
-                <a:spcPts val="388"/>
-              </a:spcBef>
-              <a:buClr>
-                <a:srgbClr val="000000"/>
-              </a:buClr>
-              <a:buSzPct val="100000"/>
-              <a:buFont typeface="Arial"/>
+            <a:pPr marL="342900" indent="-342900">
+              <a:buFont typeface="Arial" panose="020B0604020202020204" pitchFamily="34" charset="0"/>
               <a:buChar char="•"/>
             </a:pPr>
             <a:r>
-              <a:rPr lang="en-US" sz="1900" dirty="0">
-                <a:solidFill>
-                  <a:srgbClr val="000000"/>
-                </a:solidFill>
-                <a:latin typeface="Arial" pitchFamily="34" charset="0"/>
-                <a:ea typeface="Arial" pitchFamily="34" charset="-122"/>
-                <a:cs typeface="Arial" pitchFamily="34" charset="-120"/>
-              </a:rPr>
-              <a:t>Cloud Platforms</a:t>
-            </a:r>
-            <a:endParaRPr lang="en-US" sz="1900" dirty="0"/>
-          </a:p>
-          <a:p>
-            <a:pPr marL="914400" indent="-365760" algn="l">
-              <a:lnSpc>
-                <a:spcPct val="100000"/>
-              </a:lnSpc>
-              <a:spcBef>
-                <a:spcPts val="332"/>
-              </a:spcBef>
-              <a:buClr>
-                <a:srgbClr val="000000"/>
-              </a:buClr>
-              <a:buSzPct val="100000"/>
-              <a:buFont typeface="Arial"/>
-              <a:buChar char="–"/>
-            </a:pPr>
-            <a:r>
-              <a:rPr lang="en-US" sz="1900" dirty="0">
-                <a:solidFill>
-                  <a:srgbClr val="000000"/>
-                </a:solidFill>
-                <a:latin typeface="Arial" pitchFamily="34" charset="0"/>
-                <a:ea typeface="Arial" pitchFamily="34" charset="-122"/>
-                <a:cs typeface="Arial" pitchFamily="34" charset="-120"/>
-              </a:rPr>
-              <a:t>Utilize cloud services </a:t>
-            </a:r>
-            <a:r>
-              <a:rPr lang="en-US" sz="1900" dirty="0" smtClean="0">
-                <a:solidFill>
-                  <a:srgbClr val="000000"/>
-                </a:solidFill>
-                <a:latin typeface="Arial" pitchFamily="34" charset="0"/>
-                <a:ea typeface="Arial" pitchFamily="34" charset="-122"/>
-                <a:cs typeface="Arial" pitchFamily="34" charset="-120"/>
-              </a:rPr>
-              <a:t>Firebase and </a:t>
-            </a:r>
-            <a:r>
-              <a:rPr lang="en-US" sz="1900" dirty="0" err="1" smtClean="0">
-                <a:solidFill>
-                  <a:srgbClr val="000000"/>
-                </a:solidFill>
-                <a:latin typeface="Arial" pitchFamily="34" charset="0"/>
-                <a:ea typeface="Arial" pitchFamily="34" charset="-122"/>
-                <a:cs typeface="Arial" pitchFamily="34" charset="-120"/>
-              </a:rPr>
-              <a:t>Cloudinary</a:t>
-            </a:r>
-            <a:r>
-              <a:rPr lang="en-US" sz="1900" dirty="0" smtClean="0">
-                <a:solidFill>
-                  <a:srgbClr val="000000"/>
-                </a:solidFill>
-                <a:latin typeface="Arial" pitchFamily="34" charset="0"/>
-                <a:ea typeface="Arial" pitchFamily="34" charset="-122"/>
-                <a:cs typeface="Arial" pitchFamily="34" charset="-120"/>
-              </a:rPr>
-              <a:t> for </a:t>
-            </a:r>
-            <a:r>
-              <a:rPr lang="en-US" sz="1900" dirty="0">
-                <a:solidFill>
-                  <a:srgbClr val="000000"/>
-                </a:solidFill>
-                <a:latin typeface="Arial" pitchFamily="34" charset="0"/>
-                <a:ea typeface="Arial" pitchFamily="34" charset="-122"/>
-                <a:cs typeface="Arial" pitchFamily="34" charset="-120"/>
-              </a:rPr>
-              <a:t>enhanced scalability.</a:t>
-            </a:r>
-            <a:endParaRPr lang="en-US" sz="1900" dirty="0"/>
-          </a:p>
-          <a:p>
-            <a:pPr marL="914400" indent="-365760" algn="l">
-              <a:lnSpc>
-                <a:spcPct val="100000"/>
-              </a:lnSpc>
-              <a:spcBef>
-                <a:spcPts val="332"/>
-              </a:spcBef>
-              <a:buClr>
-                <a:srgbClr val="000000"/>
-              </a:buClr>
-              <a:buSzPct val="100000"/>
-              <a:buFont typeface="Arial"/>
-              <a:buChar char="–"/>
-            </a:pPr>
-            <a:r>
-              <a:rPr lang="en-US" sz="1900" dirty="0">
-                <a:solidFill>
-                  <a:srgbClr val="000000"/>
-                </a:solidFill>
-                <a:latin typeface="Arial" pitchFamily="34" charset="0"/>
-                <a:ea typeface="Arial" pitchFamily="34" charset="-122"/>
-                <a:cs typeface="Arial" pitchFamily="34" charset="-120"/>
-              </a:rPr>
-              <a:t>These platforms allow for dynamic resource allocation based on system demands</a:t>
-            </a:r>
-            <a:r>
-              <a:rPr lang="en-US" sz="1900" dirty="0" smtClean="0">
-                <a:solidFill>
-                  <a:srgbClr val="000000"/>
-                </a:solidFill>
-                <a:latin typeface="Arial" pitchFamily="34" charset="0"/>
-                <a:ea typeface="Arial" pitchFamily="34" charset="-122"/>
-                <a:cs typeface="Arial" pitchFamily="34" charset="-120"/>
-              </a:rPr>
-              <a:t>.</a:t>
-            </a:r>
-          </a:p>
-          <a:p>
-            <a:pPr marL="914400" indent="-365760" algn="l">
-              <a:lnSpc>
-                <a:spcPct val="100000"/>
-              </a:lnSpc>
-              <a:spcBef>
-                <a:spcPts val="332"/>
-              </a:spcBef>
-              <a:buClr>
-                <a:srgbClr val="000000"/>
-              </a:buClr>
-              <a:buSzPct val="100000"/>
-              <a:buFont typeface="Arial"/>
-              <a:buChar char="–"/>
-            </a:pPr>
-            <a:endParaRPr lang="en-US" sz="1900" dirty="0"/>
-          </a:p>
-          <a:p>
-            <a:pPr marL="457200" indent="-388620" algn="l">
-              <a:lnSpc>
-                <a:spcPct val="100000"/>
-              </a:lnSpc>
-              <a:spcBef>
-                <a:spcPts val="388"/>
-              </a:spcBef>
-              <a:buClr>
-                <a:srgbClr val="000000"/>
-              </a:buClr>
-              <a:buSzPct val="100000"/>
-              <a:buFont typeface="Arial"/>
+              <a:rPr lang="en-US" sz="2160" dirty="0">
+                <a:latin typeface="Arial" panose="020B0604020202020204" pitchFamily="34" charset="0"/>
+                <a:cs typeface="Arial" panose="020B0604020202020204" pitchFamily="34" charset="0"/>
+              </a:rPr>
+              <a:t>Geo-Fencing and Auto Mode Switching</a:t>
+            </a:r>
+            <a:endParaRPr lang="en-IN" sz="2160" dirty="0">
+              <a:latin typeface="Arial" panose="020B0604020202020204" pitchFamily="34" charset="0"/>
+              <a:cs typeface="Arial" panose="020B0604020202020204" pitchFamily="34" charset="0"/>
+            </a:endParaRPr>
+          </a:p>
+          <a:p>
+            <a:r>
+              <a:rPr lang="en-US" sz="2160" dirty="0" smtClean="0">
+                <a:latin typeface="Arial" panose="020B0604020202020204" pitchFamily="34" charset="0"/>
+                <a:cs typeface="Arial" panose="020B0604020202020204" pitchFamily="34" charset="0"/>
+              </a:rPr>
+              <a:t>	Automatically </a:t>
+            </a:r>
+            <a:r>
+              <a:rPr lang="en-US" sz="2160" dirty="0">
+                <a:latin typeface="Arial" panose="020B0604020202020204" pitchFamily="34" charset="0"/>
+                <a:cs typeface="Arial" panose="020B0604020202020204" pitchFamily="34" charset="0"/>
+              </a:rPr>
+              <a:t>arm or disarm the system based on the user's location using GPS, </a:t>
+            </a:r>
+            <a:r>
+              <a:rPr lang="en-US" sz="2160" dirty="0" smtClean="0">
+                <a:latin typeface="Arial" panose="020B0604020202020204" pitchFamily="34" charset="0"/>
+                <a:cs typeface="Arial" panose="020B0604020202020204" pitchFamily="34" charset="0"/>
+              </a:rPr>
+              <a:t>	reducing </a:t>
+            </a:r>
+            <a:r>
+              <a:rPr lang="en-US" sz="2160" dirty="0">
+                <a:latin typeface="Arial" panose="020B0604020202020204" pitchFamily="34" charset="0"/>
+                <a:cs typeface="Arial" panose="020B0604020202020204" pitchFamily="34" charset="0"/>
+              </a:rPr>
+              <a:t>manual control.</a:t>
+            </a:r>
+            <a:endParaRPr lang="en-IN" sz="2160" dirty="0">
+              <a:latin typeface="Arial" panose="020B0604020202020204" pitchFamily="34" charset="0"/>
+              <a:cs typeface="Arial" panose="020B0604020202020204" pitchFamily="34" charset="0"/>
+            </a:endParaRPr>
+          </a:p>
+          <a:p>
+            <a:r>
+              <a:rPr lang="en-US" sz="2160" dirty="0">
+                <a:latin typeface="Arial" panose="020B0604020202020204" pitchFamily="34" charset="0"/>
+                <a:cs typeface="Arial" panose="020B0604020202020204" pitchFamily="34" charset="0"/>
+              </a:rPr>
+              <a:t> </a:t>
+            </a:r>
+            <a:endParaRPr lang="en-IN" sz="2160" dirty="0">
+              <a:latin typeface="Arial" panose="020B0604020202020204" pitchFamily="34" charset="0"/>
+              <a:cs typeface="Arial" panose="020B0604020202020204" pitchFamily="34" charset="0"/>
+            </a:endParaRPr>
+          </a:p>
+          <a:p>
+            <a:pPr marL="342900" indent="-342900">
+              <a:buFont typeface="Arial" panose="020B0604020202020204" pitchFamily="34" charset="0"/>
               <a:buChar char="•"/>
             </a:pPr>
             <a:r>
-              <a:rPr lang="en-US" sz="1900" dirty="0">
-                <a:solidFill>
-                  <a:srgbClr val="000000"/>
-                </a:solidFill>
-                <a:latin typeface="Arial" pitchFamily="34" charset="0"/>
-                <a:ea typeface="Arial" pitchFamily="34" charset="-122"/>
-                <a:cs typeface="Arial" pitchFamily="34" charset="-120"/>
-              </a:rPr>
-              <a:t>Data Management</a:t>
-            </a:r>
-            <a:endParaRPr lang="en-US" sz="1900" dirty="0"/>
-          </a:p>
-          <a:p>
-            <a:pPr marL="914400" indent="-365760" algn="l">
-              <a:lnSpc>
-                <a:spcPct val="100000"/>
-              </a:lnSpc>
-              <a:spcBef>
-                <a:spcPts val="332"/>
-              </a:spcBef>
-              <a:buClr>
-                <a:srgbClr val="000000"/>
-              </a:buClr>
-              <a:buSzPct val="100000"/>
-              <a:buFont typeface="Arial"/>
-              <a:buChar char="–"/>
-            </a:pPr>
-            <a:r>
-              <a:rPr lang="en-US" sz="1900" dirty="0" smtClean="0">
-                <a:solidFill>
-                  <a:srgbClr val="000000"/>
-                </a:solidFill>
-                <a:latin typeface="Arial" pitchFamily="34" charset="0"/>
-                <a:ea typeface="Arial" pitchFamily="34" charset="-122"/>
-                <a:cs typeface="Arial" pitchFamily="34" charset="-120"/>
-              </a:rPr>
-              <a:t>Structured database is implemented </a:t>
-            </a:r>
-            <a:r>
-              <a:rPr lang="en-US" sz="1900" dirty="0">
-                <a:solidFill>
-                  <a:srgbClr val="000000"/>
-                </a:solidFill>
-                <a:latin typeface="Arial" pitchFamily="34" charset="0"/>
-                <a:ea typeface="Arial" pitchFamily="34" charset="-122"/>
-                <a:cs typeface="Arial" pitchFamily="34" charset="-120"/>
-              </a:rPr>
-              <a:t>for storing user data and event logs.</a:t>
-            </a:r>
-            <a:endParaRPr lang="en-US" sz="1900" dirty="0"/>
-          </a:p>
-          <a:p>
-            <a:pPr marL="914400" indent="-365760" algn="l">
-              <a:lnSpc>
-                <a:spcPct val="100000"/>
-              </a:lnSpc>
-              <a:spcBef>
-                <a:spcPts val="332"/>
-              </a:spcBef>
-              <a:buClr>
-                <a:srgbClr val="000000"/>
-              </a:buClr>
-              <a:buSzPct val="100000"/>
-              <a:buFont typeface="Arial"/>
-              <a:buChar char="–"/>
-            </a:pPr>
-            <a:r>
-              <a:rPr lang="en-US" sz="1900" dirty="0">
-                <a:solidFill>
-                  <a:srgbClr val="000000"/>
-                </a:solidFill>
-                <a:latin typeface="Arial" pitchFamily="34" charset="0"/>
-                <a:ea typeface="Arial" pitchFamily="34" charset="-122"/>
-                <a:cs typeface="Arial" pitchFamily="34" charset="-120"/>
-              </a:rPr>
-              <a:t>This ensures efficient retrieval and management of security information</a:t>
-            </a:r>
-            <a:r>
-              <a:rPr lang="en-US" sz="1900" dirty="0" smtClean="0">
-                <a:solidFill>
-                  <a:srgbClr val="000000"/>
-                </a:solidFill>
-                <a:latin typeface="Arial" pitchFamily="34" charset="0"/>
-                <a:ea typeface="Arial" pitchFamily="34" charset="-122"/>
-                <a:cs typeface="Arial" pitchFamily="34" charset="-120"/>
-              </a:rPr>
-              <a:t>.</a:t>
-            </a:r>
-          </a:p>
-          <a:p>
-            <a:pPr marL="914400" indent="-365760" algn="l">
-              <a:lnSpc>
-                <a:spcPct val="100000"/>
-              </a:lnSpc>
-              <a:spcBef>
-                <a:spcPts val="332"/>
-              </a:spcBef>
-              <a:buClr>
-                <a:srgbClr val="000000"/>
-              </a:buClr>
-              <a:buSzPct val="100000"/>
-              <a:buFont typeface="Arial"/>
-              <a:buChar char="–"/>
-            </a:pPr>
-            <a:endParaRPr lang="en-US" sz="1900" dirty="0"/>
-          </a:p>
-          <a:p>
-            <a:pPr marL="457200" indent="-388620" algn="l">
-              <a:lnSpc>
-                <a:spcPct val="100000"/>
-              </a:lnSpc>
-              <a:spcBef>
-                <a:spcPts val="388"/>
-              </a:spcBef>
-              <a:buClr>
-                <a:srgbClr val="000000"/>
-              </a:buClr>
-              <a:buSzPct val="100000"/>
-              <a:buFont typeface="Arial"/>
+              <a:rPr lang="en-US" sz="2160" dirty="0">
+                <a:latin typeface="Arial" panose="020B0604020202020204" pitchFamily="34" charset="0"/>
+                <a:cs typeface="Arial" panose="020B0604020202020204" pitchFamily="34" charset="0"/>
+              </a:rPr>
+              <a:t>Voice Assistant Integration</a:t>
+            </a:r>
+            <a:endParaRPr lang="en-IN" sz="2160" dirty="0">
+              <a:latin typeface="Arial" panose="020B0604020202020204" pitchFamily="34" charset="0"/>
+              <a:cs typeface="Arial" panose="020B0604020202020204" pitchFamily="34" charset="0"/>
+            </a:endParaRPr>
+          </a:p>
+          <a:p>
+            <a:r>
+              <a:rPr lang="en-US" sz="2160" dirty="0" smtClean="0">
+                <a:latin typeface="Arial" panose="020B0604020202020204" pitchFamily="34" charset="0"/>
+                <a:cs typeface="Arial" panose="020B0604020202020204" pitchFamily="34" charset="0"/>
+              </a:rPr>
+              <a:t>	Connect </a:t>
+            </a:r>
+            <a:r>
+              <a:rPr lang="en-US" sz="2160" dirty="0">
+                <a:latin typeface="Arial" panose="020B0604020202020204" pitchFamily="34" charset="0"/>
+                <a:cs typeface="Arial" panose="020B0604020202020204" pitchFamily="34" charset="0"/>
+              </a:rPr>
+              <a:t>with virtual assistants like Alexa, Google Assistant, or </a:t>
+            </a:r>
+            <a:r>
+              <a:rPr lang="en-US" sz="2160" dirty="0" err="1">
+                <a:latin typeface="Arial" panose="020B0604020202020204" pitchFamily="34" charset="0"/>
+                <a:cs typeface="Arial" panose="020B0604020202020204" pitchFamily="34" charset="0"/>
+              </a:rPr>
+              <a:t>Siri</a:t>
+            </a:r>
+            <a:r>
+              <a:rPr lang="en-US" sz="2160" dirty="0">
+                <a:latin typeface="Arial" panose="020B0604020202020204" pitchFamily="34" charset="0"/>
+                <a:cs typeface="Arial" panose="020B0604020202020204" pitchFamily="34" charset="0"/>
+              </a:rPr>
+              <a:t> for hands-free </a:t>
+            </a:r>
+            <a:r>
+              <a:rPr lang="en-US" sz="2160" dirty="0" smtClean="0">
+                <a:latin typeface="Arial" panose="020B0604020202020204" pitchFamily="34" charset="0"/>
+                <a:cs typeface="Arial" panose="020B0604020202020204" pitchFamily="34" charset="0"/>
+              </a:rPr>
+              <a:t>	control </a:t>
+            </a:r>
+            <a:r>
+              <a:rPr lang="en-US" sz="2160" dirty="0">
+                <a:latin typeface="Arial" panose="020B0604020202020204" pitchFamily="34" charset="0"/>
+                <a:cs typeface="Arial" panose="020B0604020202020204" pitchFamily="34" charset="0"/>
+              </a:rPr>
+              <a:t>and alerts.</a:t>
+            </a:r>
+            <a:endParaRPr lang="en-IN" sz="2160" dirty="0">
+              <a:latin typeface="Arial" panose="020B0604020202020204" pitchFamily="34" charset="0"/>
+              <a:cs typeface="Arial" panose="020B0604020202020204" pitchFamily="34" charset="0"/>
+            </a:endParaRPr>
+          </a:p>
+          <a:p>
+            <a:r>
+              <a:rPr lang="en-US" sz="2160" dirty="0">
+                <a:latin typeface="Arial" panose="020B0604020202020204" pitchFamily="34" charset="0"/>
+                <a:cs typeface="Arial" panose="020B0604020202020204" pitchFamily="34" charset="0"/>
+              </a:rPr>
+              <a:t> </a:t>
+            </a:r>
+            <a:endParaRPr lang="en-IN" sz="2160" dirty="0">
+              <a:latin typeface="Arial" panose="020B0604020202020204" pitchFamily="34" charset="0"/>
+              <a:cs typeface="Arial" panose="020B0604020202020204" pitchFamily="34" charset="0"/>
+            </a:endParaRPr>
+          </a:p>
+          <a:p>
+            <a:pPr marL="342900" indent="-342900">
+              <a:buFont typeface="Arial" panose="020B0604020202020204" pitchFamily="34" charset="0"/>
               <a:buChar char="•"/>
             </a:pPr>
             <a:r>
-              <a:rPr lang="en-US" sz="1900" dirty="0" smtClean="0">
-                <a:solidFill>
-                  <a:srgbClr val="000000"/>
-                </a:solidFill>
-                <a:latin typeface="Arial" pitchFamily="34" charset="0"/>
-                <a:ea typeface="Arial" pitchFamily="34" charset="-122"/>
-                <a:cs typeface="Arial" pitchFamily="34" charset="-120"/>
-              </a:rPr>
-              <a:t>Encryption </a:t>
-            </a:r>
-            <a:r>
-              <a:rPr lang="en-US" sz="1900" dirty="0">
-                <a:solidFill>
-                  <a:srgbClr val="000000"/>
-                </a:solidFill>
-                <a:latin typeface="Arial" pitchFamily="34" charset="0"/>
-                <a:ea typeface="Arial" pitchFamily="34" charset="-122"/>
-                <a:cs typeface="Arial" pitchFamily="34" charset="-120"/>
-              </a:rPr>
-              <a:t>Methods</a:t>
-            </a:r>
-            <a:endParaRPr lang="en-US" sz="1900" dirty="0"/>
-          </a:p>
-          <a:p>
-            <a:pPr marL="914400" indent="-365760" algn="l">
-              <a:lnSpc>
-                <a:spcPct val="100000"/>
-              </a:lnSpc>
-              <a:spcBef>
-                <a:spcPts val="332"/>
-              </a:spcBef>
-              <a:buClr>
-                <a:srgbClr val="000000"/>
-              </a:buClr>
-              <a:buSzPct val="100000"/>
-              <a:buFont typeface="Arial"/>
-              <a:buChar char="–"/>
-            </a:pPr>
-            <a:r>
-              <a:rPr lang="en-US" sz="1900" dirty="0">
-                <a:solidFill>
-                  <a:srgbClr val="000000"/>
-                </a:solidFill>
-                <a:latin typeface="Arial" pitchFamily="34" charset="0"/>
-                <a:ea typeface="Arial" pitchFamily="34" charset="-122"/>
-                <a:cs typeface="Arial" pitchFamily="34" charset="-120"/>
-              </a:rPr>
-              <a:t>Employ encryption techniques to secure sensitive data during transmission and storage.</a:t>
-            </a:r>
-            <a:endParaRPr lang="en-US" sz="1900" dirty="0"/>
-          </a:p>
-          <a:p>
-            <a:pPr marL="914400" indent="-365760" algn="l">
-              <a:lnSpc>
-                <a:spcPct val="100000"/>
-              </a:lnSpc>
-              <a:spcBef>
-                <a:spcPts val="332"/>
-              </a:spcBef>
-              <a:buClr>
-                <a:srgbClr val="000000"/>
-              </a:buClr>
-              <a:buSzPct val="100000"/>
-              <a:buFont typeface="Arial"/>
-              <a:buChar char="–"/>
-            </a:pPr>
-            <a:r>
-              <a:rPr lang="en-US" sz="1900" dirty="0">
-                <a:solidFill>
-                  <a:srgbClr val="000000"/>
-                </a:solidFill>
-                <a:latin typeface="Arial" pitchFamily="34" charset="0"/>
-                <a:ea typeface="Arial" pitchFamily="34" charset="-122"/>
-                <a:cs typeface="Arial" pitchFamily="34" charset="-120"/>
-              </a:rPr>
-              <a:t>This protects user information from unauthorized access and breaches</a:t>
-            </a:r>
-            <a:r>
-              <a:rPr lang="en-US" sz="1900" dirty="0" smtClean="0">
-                <a:solidFill>
-                  <a:srgbClr val="000000"/>
-                </a:solidFill>
-                <a:latin typeface="Arial" pitchFamily="34" charset="0"/>
-                <a:ea typeface="Arial" pitchFamily="34" charset="-122"/>
-                <a:cs typeface="Arial" pitchFamily="34" charset="-120"/>
-              </a:rPr>
-              <a:t>.</a:t>
-            </a:r>
+              <a:rPr lang="en-US" sz="2160" dirty="0" err="1">
+                <a:latin typeface="Arial" panose="020B0604020202020204" pitchFamily="34" charset="0"/>
+                <a:cs typeface="Arial" panose="020B0604020202020204" pitchFamily="34" charset="0"/>
+              </a:rPr>
+              <a:t>LoRa</a:t>
+            </a:r>
+            <a:r>
+              <a:rPr lang="en-US" sz="2160" dirty="0">
+                <a:latin typeface="Arial" panose="020B0604020202020204" pitchFamily="34" charset="0"/>
+                <a:cs typeface="Arial" panose="020B0604020202020204" pitchFamily="34" charset="0"/>
+              </a:rPr>
+              <a:t> or </a:t>
+            </a:r>
+            <a:r>
+              <a:rPr lang="en-US" sz="2160" dirty="0" err="1">
+                <a:latin typeface="Arial" panose="020B0604020202020204" pitchFamily="34" charset="0"/>
+                <a:cs typeface="Arial" panose="020B0604020202020204" pitchFamily="34" charset="0"/>
+              </a:rPr>
+              <a:t>Zigbee</a:t>
+            </a:r>
+            <a:r>
+              <a:rPr lang="en-US" sz="2160" dirty="0">
+                <a:latin typeface="Arial" panose="020B0604020202020204" pitchFamily="34" charset="0"/>
+                <a:cs typeface="Arial" panose="020B0604020202020204" pitchFamily="34" charset="0"/>
+              </a:rPr>
+              <a:t> Communication</a:t>
+            </a:r>
+            <a:br>
+              <a:rPr lang="en-US" sz="2160" dirty="0">
+                <a:latin typeface="Arial" panose="020B0604020202020204" pitchFamily="34" charset="0"/>
+                <a:cs typeface="Arial" panose="020B0604020202020204" pitchFamily="34" charset="0"/>
+              </a:rPr>
+            </a:br>
+            <a:r>
+              <a:rPr lang="en-US" sz="2160" dirty="0" smtClean="0">
+                <a:latin typeface="Arial" panose="020B0604020202020204" pitchFamily="34" charset="0"/>
+                <a:cs typeface="Arial" panose="020B0604020202020204" pitchFamily="34" charset="0"/>
+              </a:rPr>
+              <a:t>	Use </a:t>
+            </a:r>
+            <a:r>
+              <a:rPr lang="en-US" sz="2160" dirty="0">
+                <a:latin typeface="Arial" panose="020B0604020202020204" pitchFamily="34" charset="0"/>
+                <a:cs typeface="Arial" panose="020B0604020202020204" pitchFamily="34" charset="0"/>
+              </a:rPr>
+              <a:t>low-power wide-area networks like </a:t>
+            </a:r>
+            <a:r>
+              <a:rPr lang="en-US" sz="2160" dirty="0" err="1">
+                <a:latin typeface="Arial" panose="020B0604020202020204" pitchFamily="34" charset="0"/>
+                <a:cs typeface="Arial" panose="020B0604020202020204" pitchFamily="34" charset="0"/>
+              </a:rPr>
+              <a:t>LoRa</a:t>
+            </a:r>
+            <a:r>
+              <a:rPr lang="en-US" sz="2160" dirty="0">
+                <a:latin typeface="Arial" panose="020B0604020202020204" pitchFamily="34" charset="0"/>
+                <a:cs typeface="Arial" panose="020B0604020202020204" pitchFamily="34" charset="0"/>
+              </a:rPr>
+              <a:t> or </a:t>
+            </a:r>
+            <a:r>
+              <a:rPr lang="en-US" sz="2160" dirty="0" err="1">
+                <a:latin typeface="Arial" panose="020B0604020202020204" pitchFamily="34" charset="0"/>
+                <a:cs typeface="Arial" panose="020B0604020202020204" pitchFamily="34" charset="0"/>
+              </a:rPr>
+              <a:t>Zigbee</a:t>
+            </a:r>
+            <a:r>
+              <a:rPr lang="en-US" sz="2160" dirty="0">
+                <a:latin typeface="Arial" panose="020B0604020202020204" pitchFamily="34" charset="0"/>
+                <a:cs typeface="Arial" panose="020B0604020202020204" pitchFamily="34" charset="0"/>
+              </a:rPr>
+              <a:t> to increase range and </a:t>
+            </a:r>
+            <a:r>
+              <a:rPr lang="en-US" sz="2160" dirty="0" smtClean="0">
+                <a:latin typeface="Arial" panose="020B0604020202020204" pitchFamily="34" charset="0"/>
+                <a:cs typeface="Arial" panose="020B0604020202020204" pitchFamily="34" charset="0"/>
+              </a:rPr>
+              <a:t>	reduce </a:t>
+            </a:r>
+            <a:r>
+              <a:rPr lang="en-US" sz="2160" dirty="0">
+                <a:latin typeface="Arial" panose="020B0604020202020204" pitchFamily="34" charset="0"/>
+                <a:cs typeface="Arial" panose="020B0604020202020204" pitchFamily="34" charset="0"/>
+              </a:rPr>
+              <a:t>power consumption for sensors.</a:t>
+            </a:r>
+            <a:endParaRPr lang="en-IN" sz="2160" dirty="0">
+              <a:latin typeface="Arial" panose="020B0604020202020204" pitchFamily="34" charset="0"/>
+              <a:cs typeface="Arial" panose="020B0604020202020204" pitchFamily="34" charset="0"/>
+            </a:endParaRPr>
           </a:p>
         </p:txBody>
       </p:sp>
@@ -13274,7 +13134,7 @@
           <p:cNvPr id="2" name="TextBox 1">
             <a:extLst>
               <a:ext uri="{FF2B5EF4-FFF2-40B4-BE49-F238E27FC236}">
-                <a16:creationId xmlns="" xmlns:a16="http://schemas.microsoft.com/office/drawing/2014/main" id="{7AC3F8B0-6282-99B1-93A0-C4F705D327DE}"/>
+                <a16:creationId xmlns:a16="http://schemas.microsoft.com/office/drawing/2014/main" xmlns="" id="{7AC3F8B0-6282-99B1-93A0-C4F705D327DE}"/>
               </a:ext>
             </a:extLst>
           </p:cNvPr>
@@ -13323,7 +13183,7 @@
           <p:cNvPr id="4" name="TextBox 3">
             <a:extLst>
               <a:ext uri="{FF2B5EF4-FFF2-40B4-BE49-F238E27FC236}">
-                <a16:creationId xmlns="" xmlns:a16="http://schemas.microsoft.com/office/drawing/2014/main" id="{1C65CB75-C0BF-49CC-2D4C-6D5FB9214585}"/>
+                <a16:creationId xmlns:a16="http://schemas.microsoft.com/office/drawing/2014/main" xmlns="" id="{1C65CB75-C0BF-49CC-2D4C-6D5FB9214585}"/>
               </a:ext>
             </a:extLst>
           </p:cNvPr>
